--- a/P2-Project_Outline/Budgetify-proposal.pptx
+++ b/P2-Project_Outline/Budgetify-proposal.pptx
@@ -15144,7 +15144,7 @@
           <a:p>
             <a:fld id="{ED291B17-9318-49DB-B28B-6E5994AE9581}" type="datetime1">
               <a:rPr lang="en-US" smtClean="0"/>
-              <a:t>1/7/2020</a:t>
+              <a:t>1/11/2020</a:t>
             </a:fld>
             <a:endParaRPr lang="en-US" dirty="0"/>
           </a:p>
@@ -15347,7 +15347,7 @@
           <a:p>
             <a:fld id="{2CED4963-E985-44C4-B8C4-FDD613B7C2F8}" type="datetime1">
               <a:rPr lang="en-US" smtClean="0"/>
-              <a:t>1/7/2020</a:t>
+              <a:t>1/11/2020</a:t>
             </a:fld>
             <a:endParaRPr lang="en-US" dirty="0"/>
           </a:p>
@@ -15709,7 +15709,7 @@
           <a:p>
             <a:fld id="{ED291B17-9318-49DB-B28B-6E5994AE9581}" type="datetime1">
               <a:rPr lang="en-US" smtClean="0"/>
-              <a:t>1/7/2020</a:t>
+              <a:t>1/11/2020</a:t>
             </a:fld>
             <a:endParaRPr lang="en-US" dirty="0"/>
           </a:p>
@@ -15907,7 +15907,7 @@
           <a:p>
             <a:fld id="{78DD82B9-B8EE-4375-B6FF-88FA6ABB15D9}" type="datetime1">
               <a:rPr lang="en-US" smtClean="0"/>
-              <a:t>1/7/2020</a:t>
+              <a:t>1/11/2020</a:t>
             </a:fld>
             <a:endParaRPr lang="en-US" dirty="0"/>
           </a:p>
@@ -16219,7 +16219,7 @@
           <a:p>
             <a:fld id="{B2497495-0637-405E-AE64-5CC7506D51F5}" type="datetime1">
               <a:rPr lang="en-US" smtClean="0"/>
-              <a:t>1/7/2020</a:t>
+              <a:t>1/11/2020</a:t>
             </a:fld>
             <a:endParaRPr lang="en-US" dirty="0"/>
           </a:p>
@@ -16472,7 +16472,7 @@
           <a:p>
             <a:fld id="{7BFFD690-9426-415D-8B65-26881E07B2D4}" type="datetime1">
               <a:rPr lang="en-US" smtClean="0"/>
-              <a:t>1/7/2020</a:t>
+              <a:t>1/11/2020</a:t>
             </a:fld>
             <a:endParaRPr lang="en-US" dirty="0"/>
           </a:p>
@@ -16894,7 +16894,7 @@
           <a:p>
             <a:fld id="{04C4989A-474C-40DE-95B9-011C28B71673}" type="datetime1">
               <a:rPr lang="en-US" smtClean="0"/>
-              <a:t>1/7/2020</a:t>
+              <a:t>1/11/2020</a:t>
             </a:fld>
             <a:endParaRPr lang="en-US" dirty="0"/>
           </a:p>
@@ -17017,7 +17017,7 @@
           <a:p>
             <a:fld id="{5DB4ED54-5B5E-4A04-93D3-5772E3CE3818}" type="datetime1">
               <a:rPr lang="en-US" smtClean="0"/>
-              <a:t>1/7/2020</a:t>
+              <a:t>1/11/2020</a:t>
             </a:fld>
             <a:endParaRPr lang="en-US" dirty="0"/>
           </a:p>
@@ -17112,7 +17112,7 @@
           <a:p>
             <a:fld id="{4EDE50D6-574B-40AF-946F-D52A04ADE379}" type="datetime1">
               <a:rPr lang="en-US" smtClean="0"/>
-              <a:t>1/7/2020</a:t>
+              <a:t>1/11/2020</a:t>
             </a:fld>
             <a:endParaRPr lang="en-US" dirty="0"/>
           </a:p>
@@ -17489,7 +17489,7 @@
           <a:p>
             <a:fld id="{D82884F1-FFEA-405F-9602-3DCA865EDA4E}" type="datetime1">
               <a:rPr lang="en-US" smtClean="0"/>
-              <a:t>1/7/2020</a:t>
+              <a:t>1/11/2020</a:t>
             </a:fld>
             <a:endParaRPr lang="en-US" dirty="0"/>
           </a:p>
@@ -17782,7 +17782,7 @@
           <a:p>
             <a:fld id="{7E18DB4A-8810-4A10-AD5C-D5E2C667F5B3}" type="datetime1">
               <a:rPr lang="en-US" smtClean="0"/>
-              <a:t>1/7/2020</a:t>
+              <a:t>1/11/2020</a:t>
             </a:fld>
             <a:endParaRPr lang="en-US" dirty="0"/>
           </a:p>
@@ -17997,7 +17997,7 @@
           <a:p>
             <a:fld id="{ED291B17-9318-49DB-B28B-6E5994AE9581}" type="datetime1">
               <a:rPr lang="en-US" smtClean="0"/>
-              <a:t>1/7/2020</a:t>
+              <a:t>1/11/2020</a:t>
             </a:fld>
             <a:endParaRPr lang="en-US" dirty="0"/>
           </a:p>
@@ -18902,7 +18902,7 @@
           <a:lstStyle/>
           <a:p>
             <a:r>
-              <a:rPr lang="en-US" sz="1800">
+              <a:rPr lang="en-US" sz="1800" dirty="0">
                 <a:solidFill>
                   <a:srgbClr val="FFFFFF">
                     <a:alpha val="75000"/>
@@ -18911,6 +18911,34 @@
               </a:rPr>
               <a:t>Prepared by Reginald Beninche</a:t>
             </a:r>
+          </a:p>
+          <a:p>
+            <a:r>
+              <a:rPr lang="en-US" sz="1800" dirty="0">
+                <a:solidFill>
+                  <a:srgbClr val="FFFFFF">
+                    <a:alpha val="75000"/>
+                  </a:srgbClr>
+                </a:solidFill>
+              </a:rPr>
+              <a:t>Trello : </a:t>
+            </a:r>
+            <a:r>
+              <a:rPr lang="en-US" sz="1800" dirty="0">
+                <a:hlinkClick r:id="rId3"/>
+              </a:rPr>
+              <a:t>https://trello.com/b/wx4w9HXO/budgetify</a:t>
+            </a:r>
+            <a:endParaRPr lang="en-US" sz="1800" dirty="0"/>
+          </a:p>
+          <a:p>
+            <a:endParaRPr lang="en-US" sz="1800" dirty="0">
+              <a:solidFill>
+                <a:srgbClr val="FFFFFF">
+                  <a:alpha val="75000"/>
+                </a:srgbClr>
+              </a:solidFill>
+            </a:endParaRPr>
           </a:p>
         </p:txBody>
       </p:sp>
